--- a/src/01-Intro/01-Intro.pptx
+++ b/src/01-Intro/01-Intro.pptx
@@ -212,11 +212,11 @@
             <p14:sldId id="277"/>
             <p14:sldId id="278"/>
             <p14:sldId id="279"/>
+            <p14:sldId id="303"/>
           </p14:sldIdLst>
         </p14:section>
         <p14:section name="HW" id="{C83DA062-0933-470D-B3DE-AEBE74492949}">
           <p14:sldIdLst>
-            <p14:sldId id="303"/>
             <p14:sldId id="302"/>
           </p14:sldIdLst>
         </p14:section>
@@ -9880,7 +9880,7 @@
           <a:p>
             <a:fld id="{84C494A9-CF5D-4BF8-A824-5F8CF2CD328A}" type="datetimeFigureOut">
               <a:rPr lang="ru-RU" smtClean="0"/>
-              <a:t>04.02.2023</a:t>
+              <a:t>05.02.2023</a:t>
             </a:fld>
             <a:endParaRPr lang="ru-RU"/>
           </a:p>
@@ -10080,7 +10080,7 @@
           <a:p>
             <a:fld id="{84C494A9-CF5D-4BF8-A824-5F8CF2CD328A}" type="datetimeFigureOut">
               <a:rPr lang="ru-RU" smtClean="0"/>
-              <a:t>04.02.2023</a:t>
+              <a:t>05.02.2023</a:t>
             </a:fld>
             <a:endParaRPr lang="ru-RU"/>
           </a:p>
@@ -10290,7 +10290,7 @@
           <a:p>
             <a:fld id="{84C494A9-CF5D-4BF8-A824-5F8CF2CD328A}" type="datetimeFigureOut">
               <a:rPr lang="ru-RU" smtClean="0"/>
-              <a:t>04.02.2023</a:t>
+              <a:t>05.02.2023</a:t>
             </a:fld>
             <a:endParaRPr lang="ru-RU"/>
           </a:p>
@@ -10490,7 +10490,7 @@
           <a:p>
             <a:fld id="{84C494A9-CF5D-4BF8-A824-5F8CF2CD328A}" type="datetimeFigureOut">
               <a:rPr lang="ru-RU" smtClean="0"/>
-              <a:t>04.02.2023</a:t>
+              <a:t>05.02.2023</a:t>
             </a:fld>
             <a:endParaRPr lang="ru-RU"/>
           </a:p>
@@ -10766,7 +10766,7 @@
           <a:p>
             <a:fld id="{84C494A9-CF5D-4BF8-A824-5F8CF2CD328A}" type="datetimeFigureOut">
               <a:rPr lang="ru-RU" smtClean="0"/>
-              <a:t>04.02.2023</a:t>
+              <a:t>05.02.2023</a:t>
             </a:fld>
             <a:endParaRPr lang="ru-RU"/>
           </a:p>
@@ -11034,7 +11034,7 @@
           <a:p>
             <a:fld id="{84C494A9-CF5D-4BF8-A824-5F8CF2CD328A}" type="datetimeFigureOut">
               <a:rPr lang="ru-RU" smtClean="0"/>
-              <a:t>04.02.2023</a:t>
+              <a:t>05.02.2023</a:t>
             </a:fld>
             <a:endParaRPr lang="ru-RU"/>
           </a:p>
@@ -11449,7 +11449,7 @@
           <a:p>
             <a:fld id="{84C494A9-CF5D-4BF8-A824-5F8CF2CD328A}" type="datetimeFigureOut">
               <a:rPr lang="ru-RU" smtClean="0"/>
-              <a:t>04.02.2023</a:t>
+              <a:t>05.02.2023</a:t>
             </a:fld>
             <a:endParaRPr lang="ru-RU"/>
           </a:p>
@@ -11591,7 +11591,7 @@
           <a:p>
             <a:fld id="{84C494A9-CF5D-4BF8-A824-5F8CF2CD328A}" type="datetimeFigureOut">
               <a:rPr lang="ru-RU" smtClean="0"/>
-              <a:t>04.02.2023</a:t>
+              <a:t>05.02.2023</a:t>
             </a:fld>
             <a:endParaRPr lang="ru-RU"/>
           </a:p>
@@ -11704,7 +11704,7 @@
           <a:p>
             <a:fld id="{84C494A9-CF5D-4BF8-A824-5F8CF2CD328A}" type="datetimeFigureOut">
               <a:rPr lang="ru-RU" smtClean="0"/>
-              <a:t>04.02.2023</a:t>
+              <a:t>05.02.2023</a:t>
             </a:fld>
             <a:endParaRPr lang="ru-RU"/>
           </a:p>
@@ -12017,7 +12017,7 @@
           <a:p>
             <a:fld id="{84C494A9-CF5D-4BF8-A824-5F8CF2CD328A}" type="datetimeFigureOut">
               <a:rPr lang="ru-RU" smtClean="0"/>
-              <a:t>04.02.2023</a:t>
+              <a:t>05.02.2023</a:t>
             </a:fld>
             <a:endParaRPr lang="ru-RU"/>
           </a:p>
@@ -12306,7 +12306,7 @@
           <a:p>
             <a:fld id="{84C494A9-CF5D-4BF8-A824-5F8CF2CD328A}" type="datetimeFigureOut">
               <a:rPr lang="ru-RU" smtClean="0"/>
-              <a:t>04.02.2023</a:t>
+              <a:t>05.02.2023</a:t>
             </a:fld>
             <a:endParaRPr lang="ru-RU"/>
           </a:p>
@@ -12549,7 +12549,7 @@
           <a:p>
             <a:fld id="{84C494A9-CF5D-4BF8-A824-5F8CF2CD328A}" type="datetimeFigureOut">
               <a:rPr lang="ru-RU" smtClean="0"/>
-              <a:t>04.02.2023</a:t>
+              <a:t>05.02.2023</a:t>
             </a:fld>
             <a:endParaRPr lang="ru-RU"/>
           </a:p>
@@ -45682,7 +45682,7 @@
           <a:p>
             <a:r>
               <a:rPr lang="en-US" dirty="0"/>
-              <a:t>References</a:t>
+              <a:t>Modern Approach</a:t>
             </a:r>
             <a:endParaRPr lang="ru-RU" dirty="0"/>
           </a:p>
@@ -45724,40 +45724,62 @@
             <a:pPr marL="0" indent="0">
               <a:buNone/>
             </a:pPr>
+            <a:r>
+              <a:rPr lang="en-US" dirty="0">
+                <a:hlinkClick r:id="rId3"/>
+              </a:rPr>
+              <a:t>https://doc.rust-lang.org/reference/</a:t>
+            </a:r>
+            <a:endParaRPr lang="en-US" dirty="0"/>
+          </a:p>
+          <a:p>
+            <a:pPr marL="0" indent="0">
+              <a:buNone/>
+            </a:pPr>
+            <a:endParaRPr lang="en-US" dirty="0"/>
+          </a:p>
+          <a:p>
+            <a:pPr marL="0" indent="0">
+              <a:buNone/>
+            </a:pPr>
+            <a:r>
+              <a:rPr lang="en-US" dirty="0">
+                <a:hlinkClick r:id="rId4"/>
+              </a:rPr>
+              <a:t>https://github.com/rust-lang/rust-clippy</a:t>
+            </a:r>
+            <a:endParaRPr lang="en-US" dirty="0"/>
+          </a:p>
+          <a:p>
+            <a:pPr marL="0" indent="0">
+              <a:buNone/>
+            </a:pPr>
+            <a:r>
+              <a:rPr lang="en-US" dirty="0">
+                <a:hlinkClick r:id="rId5"/>
+              </a:rPr>
+              <a:t>https://github.com/rust-lang/rustfmt</a:t>
+            </a:r>
+            <a:endParaRPr lang="en-US" dirty="0"/>
+          </a:p>
+          <a:p>
+            <a:pPr marL="0" indent="0">
+              <a:buNone/>
+            </a:pPr>
+            <a:r>
+              <a:rPr lang="en-US"/>
+              <a:t>…</a:t>
+            </a:r>
+            <a:endParaRPr lang="en-US" dirty="0"/>
+          </a:p>
+          <a:p>
+            <a:pPr marL="0" indent="0">
+              <a:buNone/>
+            </a:pPr>
             <a:endParaRPr lang="ru-RU" dirty="0"/>
           </a:p>
         </p:txBody>
       </p:sp>
-      <p:pic>
-        <p:nvPicPr>
-          <p:cNvPr id="5" name="Picture 4">
-            <a:extLst>
-              <a:ext uri="{FF2B5EF4-FFF2-40B4-BE49-F238E27FC236}">
-                <a16:creationId xmlns:a16="http://schemas.microsoft.com/office/drawing/2014/main" id="{37817812-768A-A0A8-DDDB-82AA652EF2E7}"/>
-              </a:ext>
-            </a:extLst>
-          </p:cNvPr>
-          <p:cNvPicPr>
-            <a:picLocks noChangeAspect="1"/>
-          </p:cNvPicPr>
-          <p:nvPr/>
-        </p:nvPicPr>
-        <p:blipFill>
-          <a:blip r:embed="rId3"/>
-          <a:stretch>
-            <a:fillRect/>
-          </a:stretch>
-        </p:blipFill>
-        <p:spPr>
-          <a:xfrm>
-            <a:off x="838200" y="2409149"/>
-            <a:ext cx="4050156" cy="4050156"/>
-          </a:xfrm>
-          <a:prstGeom prst="rect">
-            <a:avLst/>
-          </a:prstGeom>
-        </p:spPr>
-      </p:pic>
     </p:spTree>
     <p:extLst>
       <p:ext uri="{BB962C8B-B14F-4D97-AF65-F5344CB8AC3E}">

--- a/src/01-Intro/01-Intro.pptx
+++ b/src/01-Intro/01-Intro.pptx
@@ -9880,7 +9880,7 @@
           <a:p>
             <a:fld id="{84C494A9-CF5D-4BF8-A824-5F8CF2CD328A}" type="datetimeFigureOut">
               <a:rPr lang="ru-RU" smtClean="0"/>
-              <a:t>05.02.2023</a:t>
+              <a:t>07.02.2023</a:t>
             </a:fld>
             <a:endParaRPr lang="ru-RU"/>
           </a:p>
@@ -10080,7 +10080,7 @@
           <a:p>
             <a:fld id="{84C494A9-CF5D-4BF8-A824-5F8CF2CD328A}" type="datetimeFigureOut">
               <a:rPr lang="ru-RU" smtClean="0"/>
-              <a:t>05.02.2023</a:t>
+              <a:t>07.02.2023</a:t>
             </a:fld>
             <a:endParaRPr lang="ru-RU"/>
           </a:p>
@@ -10290,7 +10290,7 @@
           <a:p>
             <a:fld id="{84C494A9-CF5D-4BF8-A824-5F8CF2CD328A}" type="datetimeFigureOut">
               <a:rPr lang="ru-RU" smtClean="0"/>
-              <a:t>05.02.2023</a:t>
+              <a:t>07.02.2023</a:t>
             </a:fld>
             <a:endParaRPr lang="ru-RU"/>
           </a:p>
@@ -10490,7 +10490,7 @@
           <a:p>
             <a:fld id="{84C494A9-CF5D-4BF8-A824-5F8CF2CD328A}" type="datetimeFigureOut">
               <a:rPr lang="ru-RU" smtClean="0"/>
-              <a:t>05.02.2023</a:t>
+              <a:t>07.02.2023</a:t>
             </a:fld>
             <a:endParaRPr lang="ru-RU"/>
           </a:p>
@@ -10766,7 +10766,7 @@
           <a:p>
             <a:fld id="{84C494A9-CF5D-4BF8-A824-5F8CF2CD328A}" type="datetimeFigureOut">
               <a:rPr lang="ru-RU" smtClean="0"/>
-              <a:t>05.02.2023</a:t>
+              <a:t>07.02.2023</a:t>
             </a:fld>
             <a:endParaRPr lang="ru-RU"/>
           </a:p>
@@ -11034,7 +11034,7 @@
           <a:p>
             <a:fld id="{84C494A9-CF5D-4BF8-A824-5F8CF2CD328A}" type="datetimeFigureOut">
               <a:rPr lang="ru-RU" smtClean="0"/>
-              <a:t>05.02.2023</a:t>
+              <a:t>07.02.2023</a:t>
             </a:fld>
             <a:endParaRPr lang="ru-RU"/>
           </a:p>
@@ -11449,7 +11449,7 @@
           <a:p>
             <a:fld id="{84C494A9-CF5D-4BF8-A824-5F8CF2CD328A}" type="datetimeFigureOut">
               <a:rPr lang="ru-RU" smtClean="0"/>
-              <a:t>05.02.2023</a:t>
+              <a:t>07.02.2023</a:t>
             </a:fld>
             <a:endParaRPr lang="ru-RU"/>
           </a:p>
@@ -11591,7 +11591,7 @@
           <a:p>
             <a:fld id="{84C494A9-CF5D-4BF8-A824-5F8CF2CD328A}" type="datetimeFigureOut">
               <a:rPr lang="ru-RU" smtClean="0"/>
-              <a:t>05.02.2023</a:t>
+              <a:t>07.02.2023</a:t>
             </a:fld>
             <a:endParaRPr lang="ru-RU"/>
           </a:p>
@@ -11704,7 +11704,7 @@
           <a:p>
             <a:fld id="{84C494A9-CF5D-4BF8-A824-5F8CF2CD328A}" type="datetimeFigureOut">
               <a:rPr lang="ru-RU" smtClean="0"/>
-              <a:t>05.02.2023</a:t>
+              <a:t>07.02.2023</a:t>
             </a:fld>
             <a:endParaRPr lang="ru-RU"/>
           </a:p>
@@ -12017,7 +12017,7 @@
           <a:p>
             <a:fld id="{84C494A9-CF5D-4BF8-A824-5F8CF2CD328A}" type="datetimeFigureOut">
               <a:rPr lang="ru-RU" smtClean="0"/>
-              <a:t>05.02.2023</a:t>
+              <a:t>07.02.2023</a:t>
             </a:fld>
             <a:endParaRPr lang="ru-RU"/>
           </a:p>
@@ -12306,7 +12306,7 @@
           <a:p>
             <a:fld id="{84C494A9-CF5D-4BF8-A824-5F8CF2CD328A}" type="datetimeFigureOut">
               <a:rPr lang="ru-RU" smtClean="0"/>
-              <a:t>05.02.2023</a:t>
+              <a:t>07.02.2023</a:t>
             </a:fld>
             <a:endParaRPr lang="ru-RU"/>
           </a:p>
@@ -12549,7 +12549,7 @@
           <a:p>
             <a:fld id="{84C494A9-CF5D-4BF8-A824-5F8CF2CD328A}" type="datetimeFigureOut">
               <a:rPr lang="ru-RU" smtClean="0"/>
-              <a:t>05.02.2023</a:t>
+              <a:t>07.02.2023</a:t>
             </a:fld>
             <a:endParaRPr lang="ru-RU"/>
           </a:p>
